--- a/הרצאה 3  - גיט.pptx
+++ b/הרצאה 3  - גיט.pptx
@@ -5,10 +5,10 @@
     <p:sldMasterId id="2147483861" r:id="rId1"/>
   </p:sldMasterIdLst>
   <p:notesMasterIdLst>
-    <p:notesMasterId r:id="rId16"/>
+    <p:notesMasterId r:id="rId17"/>
   </p:notesMasterIdLst>
   <p:handoutMasterIdLst>
-    <p:handoutMasterId r:id="rId17"/>
+    <p:handoutMasterId r:id="rId18"/>
   </p:handoutMasterIdLst>
   <p:sldIdLst>
     <p:sldId id="256" r:id="rId2"/>
@@ -25,6 +25,7 @@
     <p:sldId id="267" r:id="rId13"/>
     <p:sldId id="268" r:id="rId14"/>
     <p:sldId id="269" r:id="rId15"/>
+    <p:sldId id="270" r:id="rId16"/>
   </p:sldIdLst>
   <p:sldSz cx="9144000" cy="6858000" type="screen4x3"/>
   <p:notesSz cx="6858000" cy="9144000"/>
@@ -718,6 +719,91 @@
     <p:extLst>
       <p:ext uri="{BB962C8B-B14F-4D97-AF65-F5344CB8AC3E}">
         <p14:creationId xmlns:p14="http://schemas.microsoft.com/office/powerpoint/2010/main" val="288987622"/>
+      </p:ext>
+    </p:extLst>
+  </p:cSld>
+  <p:clrMapOvr>
+    <a:masterClrMapping/>
+  </p:clrMapOvr>
+</p:notes>
+</file>
+
+<file path=ppt/notesSlides/notesSlide2.xml><?xml version="1.0" encoding="utf-8"?>
+<p:notes xmlns:a="http://schemas.openxmlformats.org/drawingml/2006/main" xmlns:r="http://schemas.openxmlformats.org/officeDocument/2006/relationships" xmlns:p="http://schemas.openxmlformats.org/presentationml/2006/main">
+  <p:cSld>
+    <p:spTree>
+      <p:nvGrpSpPr>
+        <p:cNvPr id="1" name=""/>
+        <p:cNvGrpSpPr/>
+        <p:nvPr/>
+      </p:nvGrpSpPr>
+      <p:grpSpPr>
+        <a:xfrm>
+          <a:off x="0" y="0"/>
+          <a:ext cx="0" cy="0"/>
+          <a:chOff x="0" y="0"/>
+          <a:chExt cx="0" cy="0"/>
+        </a:xfrm>
+      </p:grpSpPr>
+      <p:sp>
+        <p:nvSpPr>
+          <p:cNvPr id="2" name="Slide Image Placeholder 1"/>
+          <p:cNvSpPr>
+            <a:spLocks noGrp="1" noRot="1" noChangeAspect="1"/>
+          </p:cNvSpPr>
+          <p:nvPr>
+            <p:ph type="sldImg"/>
+          </p:nvPr>
+        </p:nvSpPr>
+        <p:spPr/>
+      </p:sp>
+      <p:sp>
+        <p:nvSpPr>
+          <p:cNvPr id="3" name="Notes Placeholder 2"/>
+          <p:cNvSpPr>
+            <a:spLocks noGrp="1"/>
+          </p:cNvSpPr>
+          <p:nvPr>
+            <p:ph type="body" idx="1"/>
+          </p:nvPr>
+        </p:nvSpPr>
+        <p:spPr/>
+        <p:txBody>
+          <a:bodyPr/>
+          <a:lstStyle/>
+          <a:p>
+            <a:endParaRPr lang="he-IL" dirty="0"/>
+          </a:p>
+        </p:txBody>
+      </p:sp>
+      <p:sp>
+        <p:nvSpPr>
+          <p:cNvPr id="4" name="Slide Number Placeholder 3"/>
+          <p:cNvSpPr>
+            <a:spLocks noGrp="1"/>
+          </p:cNvSpPr>
+          <p:nvPr>
+            <p:ph type="sldNum" sz="quarter" idx="10"/>
+          </p:nvPr>
+        </p:nvSpPr>
+        <p:spPr/>
+        <p:txBody>
+          <a:bodyPr/>
+          <a:lstStyle/>
+          <a:p>
+            <a:fld id="{A5D78FC6-CE17-4259-A63C-DDFC12E048FC}" type="slidenum">
+              <a:rPr lang="en-US" smtClean="0"/>
+              <a:pPr/>
+              <a:t>11</a:t>
+            </a:fld>
+            <a:endParaRPr lang="en-US"/>
+          </a:p>
+        </p:txBody>
+      </p:sp>
+    </p:spTree>
+    <p:extLst>
+      <p:ext uri="{BB962C8B-B14F-4D97-AF65-F5344CB8AC3E}">
+        <p14:creationId xmlns:p14="http://schemas.microsoft.com/office/powerpoint/2010/main" val="1841494143"/>
       </p:ext>
     </p:extLst>
   </p:cSld>
@@ -4857,44 +4943,6 @@
       </p:grpSpPr>
       <p:sp>
         <p:nvSpPr>
-          <p:cNvPr id="2" name="Title 1"/>
-          <p:cNvSpPr>
-            <a:spLocks noGrp="1"/>
-          </p:cNvSpPr>
-          <p:nvPr>
-            <p:ph type="title"/>
-          </p:nvPr>
-        </p:nvSpPr>
-        <p:spPr/>
-        <p:txBody>
-          <a:bodyPr/>
-          <a:lstStyle/>
-          <a:p>
-            <a:endParaRPr lang="he-IL"/>
-          </a:p>
-        </p:txBody>
-      </p:sp>
-      <p:sp>
-        <p:nvSpPr>
-          <p:cNvPr id="3" name="Content Placeholder 2"/>
-          <p:cNvSpPr>
-            <a:spLocks noGrp="1"/>
-          </p:cNvSpPr>
-          <p:nvPr>
-            <p:ph idx="1"/>
-          </p:nvPr>
-        </p:nvSpPr>
-        <p:spPr/>
-        <p:txBody>
-          <a:bodyPr/>
-          <a:lstStyle/>
-          <a:p>
-            <a:endParaRPr lang="he-IL"/>
-          </a:p>
-        </p:txBody>
-      </p:sp>
-      <p:sp>
-        <p:nvSpPr>
           <p:cNvPr id="4" name="Slide Number Placeholder 3"/>
           <p:cNvSpPr>
             <a:spLocks noGrp="1"/>
@@ -4921,6 +4969,30 @@
           </a:p>
         </p:txBody>
       </p:sp>
+      <p:pic>
+        <p:nvPicPr>
+          <p:cNvPr id="5" name="Picture 4"/>
+          <p:cNvPicPr>
+            <a:picLocks noChangeAspect="1"/>
+          </p:cNvPicPr>
+          <p:nvPr/>
+        </p:nvPicPr>
+        <p:blipFill>
+          <a:blip r:embed="rId2"/>
+          <a:stretch>
+            <a:fillRect/>
+          </a:stretch>
+        </p:blipFill>
+        <p:spPr>
+          <a:xfrm>
+            <a:off x="395536" y="1196752"/>
+            <a:ext cx="8105775" cy="3552825"/>
+          </a:xfrm>
+          <a:prstGeom prst="rect">
+            <a:avLst/>
+          </a:prstGeom>
+        </p:spPr>
+      </p:pic>
     </p:spTree>
     <p:extLst>
       <p:ext uri="{BB962C8B-B14F-4D97-AF65-F5344CB8AC3E}">
@@ -4961,31 +5033,22 @@
             <p:ph type="title"/>
           </p:nvPr>
         </p:nvSpPr>
-        <p:spPr/>
+        <p:spPr>
+          <a:xfrm>
+            <a:off x="685800" y="484632"/>
+            <a:ext cx="7772400" cy="856136"/>
+          </a:xfrm>
+        </p:spPr>
         <p:txBody>
           <a:bodyPr/>
           <a:lstStyle/>
           <a:p>
-            <a:endParaRPr lang="he-IL"/>
-          </a:p>
-        </p:txBody>
-      </p:sp>
-      <p:sp>
-        <p:nvSpPr>
-          <p:cNvPr id="3" name="Content Placeholder 2"/>
-          <p:cNvSpPr>
-            <a:spLocks noGrp="1"/>
-          </p:cNvSpPr>
-          <p:nvPr>
-            <p:ph idx="1"/>
-          </p:nvPr>
-        </p:nvSpPr>
-        <p:spPr/>
-        <p:txBody>
-          <a:bodyPr/>
-          <a:lstStyle/>
-          <a:p>
-            <a:endParaRPr lang="he-IL"/>
+            <a:pPr algn="r"/>
+            <a:r>
+              <a:rPr lang="he-IL" dirty="0" smtClean="0"/>
+              <a:t>תיאור התהליך בדיאגרמה</a:t>
+            </a:r>
+            <a:endParaRPr lang="he-IL" dirty="0"/>
           </a:p>
         </p:txBody>
       </p:sp>
@@ -5017,6 +5080,47 @@
           </a:p>
         </p:txBody>
       </p:sp>
+      <p:pic>
+        <p:nvPicPr>
+          <p:cNvPr id="1026" name="Picture 2" descr="Creating a new branch from any commit of a github repository which has a  long gone history. | by Kasun Siyambalapitiya | Medium"/>
+          <p:cNvPicPr>
+            <a:picLocks noChangeAspect="1" noChangeArrowheads="1"/>
+          </p:cNvPicPr>
+          <p:nvPr/>
+        </p:nvPicPr>
+        <p:blipFill>
+          <a:blip r:embed="rId3">
+            <a:extLst>
+              <a:ext uri="{28A0092B-C50C-407E-A947-70E740481C1C}">
+                <a14:useLocalDpi xmlns:a14="http://schemas.microsoft.com/office/drawing/2010/main" val="0"/>
+              </a:ext>
+            </a:extLst>
+          </a:blip>
+          <a:srcRect/>
+          <a:stretch>
+            <a:fillRect/>
+          </a:stretch>
+        </p:blipFill>
+        <p:spPr bwMode="auto">
+          <a:xfrm>
+            <a:off x="-396552" y="692696"/>
+            <a:ext cx="9181804" cy="5256584"/>
+          </a:xfrm>
+          <a:prstGeom prst="rect">
+            <a:avLst/>
+          </a:prstGeom>
+          <a:noFill/>
+          <a:extLst>
+            <a:ext uri="{909E8E84-426E-40DD-AFC4-6F175D3DCCD1}">
+              <a14:hiddenFill xmlns:a14="http://schemas.microsoft.com/office/drawing/2010/main">
+                <a:solidFill>
+                  <a:srgbClr val="FFFFFF"/>
+                </a:solidFill>
+              </a14:hiddenFill>
+            </a:ext>
+          </a:extLst>
+        </p:spPr>
+      </p:pic>
     </p:spTree>
     <p:extLst>
       <p:ext uri="{BB962C8B-B14F-4D97-AF65-F5344CB8AC3E}">
@@ -5057,31 +5161,22 @@
             <p:ph type="title"/>
           </p:nvPr>
         </p:nvSpPr>
-        <p:spPr/>
+        <p:spPr>
+          <a:xfrm>
+            <a:off x="685800" y="484632"/>
+            <a:ext cx="7772400" cy="1144168"/>
+          </a:xfrm>
+        </p:spPr>
         <p:txBody>
           <a:bodyPr/>
           <a:lstStyle/>
           <a:p>
-            <a:endParaRPr lang="he-IL"/>
-          </a:p>
-        </p:txBody>
-      </p:sp>
-      <p:sp>
-        <p:nvSpPr>
-          <p:cNvPr id="3" name="Content Placeholder 2"/>
-          <p:cNvSpPr>
-            <a:spLocks noGrp="1"/>
-          </p:cNvSpPr>
-          <p:nvPr>
-            <p:ph idx="1"/>
-          </p:nvPr>
-        </p:nvSpPr>
-        <p:spPr/>
-        <p:txBody>
-          <a:bodyPr/>
-          <a:lstStyle/>
-          <a:p>
-            <a:endParaRPr lang="he-IL"/>
+            <a:pPr algn="r"/>
+            <a:r>
+              <a:rPr lang="he-IL" dirty="0" smtClean="0"/>
+              <a:t>דיאגרמת עבודה לשני משתתפים</a:t>
+            </a:r>
+            <a:endParaRPr lang="he-IL" dirty="0"/>
           </a:p>
         </p:txBody>
       </p:sp>
@@ -5113,6 +5208,47 @@
           </a:p>
         </p:txBody>
       </p:sp>
+      <p:pic>
+        <p:nvPicPr>
+          <p:cNvPr id="2050" name="Picture 2" descr="Git Branches Free Tutorial"/>
+          <p:cNvPicPr>
+            <a:picLocks noChangeAspect="1" noChangeArrowheads="1"/>
+          </p:cNvPicPr>
+          <p:nvPr/>
+        </p:nvPicPr>
+        <p:blipFill>
+          <a:blip r:embed="rId2">
+            <a:extLst>
+              <a:ext uri="{28A0092B-C50C-407E-A947-70E740481C1C}">
+                <a14:useLocalDpi xmlns:a14="http://schemas.microsoft.com/office/drawing/2010/main" val="0"/>
+              </a:ext>
+            </a:extLst>
+          </a:blip>
+          <a:srcRect/>
+          <a:stretch>
+            <a:fillRect/>
+          </a:stretch>
+        </p:blipFill>
+        <p:spPr bwMode="auto">
+          <a:xfrm>
+            <a:off x="683567" y="1916832"/>
+            <a:ext cx="7588713" cy="3888432"/>
+          </a:xfrm>
+          <a:prstGeom prst="rect">
+            <a:avLst/>
+          </a:prstGeom>
+          <a:noFill/>
+          <a:extLst>
+            <a:ext uri="{909E8E84-426E-40DD-AFC4-6F175D3DCCD1}">
+              <a14:hiddenFill xmlns:a14="http://schemas.microsoft.com/office/drawing/2010/main">
+                <a:solidFill>
+                  <a:srgbClr val="FFFFFF"/>
+                </a:solidFill>
+              </a14:hiddenFill>
+            </a:ext>
+          </a:extLst>
+        </p:spPr>
+      </p:pic>
     </p:spTree>
     <p:extLst>
       <p:ext uri="{BB962C8B-B14F-4D97-AF65-F5344CB8AC3E}">
@@ -5153,12 +5289,22 @@
             <p:ph type="title"/>
           </p:nvPr>
         </p:nvSpPr>
-        <p:spPr/>
+        <p:spPr>
+          <a:xfrm>
+            <a:off x="685800" y="484632"/>
+            <a:ext cx="7772400" cy="1000152"/>
+          </a:xfrm>
+        </p:spPr>
         <p:txBody>
           <a:bodyPr/>
           <a:lstStyle/>
           <a:p>
-            <a:endParaRPr lang="he-IL"/>
+            <a:pPr algn="r"/>
+            <a:r>
+              <a:rPr lang="he-IL" dirty="0" smtClean="0"/>
+              <a:t>תהליך עבודה</a:t>
+            </a:r>
+            <a:endParaRPr lang="he-IL" dirty="0"/>
           </a:p>
         </p:txBody>
       </p:sp>
@@ -5172,12 +5318,50 @@
             <p:ph idx="1"/>
           </p:nvPr>
         </p:nvSpPr>
-        <p:spPr/>
-        <p:txBody>
-          <a:bodyPr/>
-          <a:lstStyle/>
-          <a:p>
-            <a:endParaRPr lang="he-IL"/>
+        <p:spPr>
+          <a:xfrm>
+            <a:off x="685800" y="1412776"/>
+            <a:ext cx="7772400" cy="1080120"/>
+          </a:xfrm>
+        </p:spPr>
+        <p:txBody>
+          <a:bodyPr>
+            <a:normAutofit/>
+          </a:bodyPr>
+          <a:lstStyle/>
+          <a:p>
+            <a:r>
+              <a:rPr lang="he-IL" sz="2400" dirty="0" smtClean="0"/>
+              <a:t>כל שינוי מבוצע ל </a:t>
+            </a:r>
+            <a:r>
+              <a:rPr lang="en-US" sz="2400" dirty="0" smtClean="0"/>
+              <a:t>branch</a:t>
+            </a:r>
+            <a:r>
+              <a:rPr lang="he-IL" sz="2400" dirty="0" smtClean="0"/>
+              <a:t> לפני שהוא נכנס ל </a:t>
+            </a:r>
+            <a:r>
+              <a:rPr lang="en-US" sz="2400" dirty="0" smtClean="0"/>
+              <a:t>master</a:t>
+            </a:r>
+            <a:endParaRPr lang="he-IL" sz="2400" dirty="0" smtClean="0"/>
+          </a:p>
+          <a:p>
+            <a:r>
+              <a:rPr lang="he-IL" sz="2400" dirty="0" smtClean="0"/>
+              <a:t>יצירת </a:t>
+            </a:r>
+            <a:r>
+              <a:rPr lang="en-US" sz="2400" dirty="0" smtClean="0"/>
+              <a:t>branch</a:t>
+            </a:r>
+            <a:r>
+              <a:rPr lang="he-IL" sz="2400" dirty="0" smtClean="0"/>
+              <a:t> חדש:</a:t>
+            </a:r>
+            <a:endParaRPr lang="he-IL" sz="2400" dirty="0"/>
           </a:p>
         </p:txBody>
       </p:sp>
@@ -5209,6 +5393,30 @@
           </a:p>
         </p:txBody>
       </p:sp>
+      <p:pic>
+        <p:nvPicPr>
+          <p:cNvPr id="5" name="Picture 4"/>
+          <p:cNvPicPr>
+            <a:picLocks noChangeAspect="1"/>
+          </p:cNvPicPr>
+          <p:nvPr/>
+        </p:nvPicPr>
+        <p:blipFill>
+          <a:blip r:embed="rId2"/>
+          <a:stretch>
+            <a:fillRect/>
+          </a:stretch>
+        </p:blipFill>
+        <p:spPr>
+          <a:xfrm>
+            <a:off x="755576" y="2348880"/>
+            <a:ext cx="5400600" cy="4192571"/>
+          </a:xfrm>
+          <a:prstGeom prst="rect">
+            <a:avLst/>
+          </a:prstGeom>
+        </p:spPr>
+      </p:pic>
     </p:spTree>
     <p:extLst>
       <p:ext uri="{BB962C8B-B14F-4D97-AF65-F5344CB8AC3E}">
@@ -5249,31 +5457,30 @@
             <p:ph type="title"/>
           </p:nvPr>
         </p:nvSpPr>
-        <p:spPr/>
+        <p:spPr>
+          <a:xfrm>
+            <a:off x="685800" y="484632"/>
+            <a:ext cx="7772400" cy="1072160"/>
+          </a:xfrm>
+        </p:spPr>
         <p:txBody>
           <a:bodyPr/>
           <a:lstStyle/>
           <a:p>
-            <a:endParaRPr lang="he-IL"/>
-          </a:p>
-        </p:txBody>
-      </p:sp>
-      <p:sp>
-        <p:nvSpPr>
-          <p:cNvPr id="3" name="Content Placeholder 2"/>
-          <p:cNvSpPr>
-            <a:spLocks noGrp="1"/>
-          </p:cNvSpPr>
-          <p:nvPr>
-            <p:ph idx="1"/>
-          </p:nvPr>
-        </p:nvSpPr>
-        <p:spPr/>
-        <p:txBody>
-          <a:bodyPr/>
-          <a:lstStyle/>
-          <a:p>
-            <a:endParaRPr lang="he-IL"/>
+            <a:pPr algn="r"/>
+            <a:r>
+              <a:rPr lang="he-IL" dirty="0" smtClean="0"/>
+              <a:t>מעבר ל </a:t>
+            </a:r>
+            <a:r>
+              <a:rPr lang="en-US" dirty="0" smtClean="0"/>
+              <a:t>branch</a:t>
+            </a:r>
+            <a:r>
+              <a:rPr lang="he-IL" dirty="0" smtClean="0"/>
+              <a:t> אחר</a:t>
+            </a:r>
+            <a:endParaRPr lang="he-IL" dirty="0"/>
           </a:p>
         </p:txBody>
       </p:sp>
@@ -5305,10 +5512,130 @@
           </a:p>
         </p:txBody>
       </p:sp>
+      <p:pic>
+        <p:nvPicPr>
+          <p:cNvPr id="5" name="Picture 4"/>
+          <p:cNvPicPr>
+            <a:picLocks noChangeAspect="1"/>
+          </p:cNvPicPr>
+          <p:nvPr/>
+        </p:nvPicPr>
+        <p:blipFill>
+          <a:blip r:embed="rId2"/>
+          <a:stretch>
+            <a:fillRect/>
+          </a:stretch>
+        </p:blipFill>
+        <p:spPr>
+          <a:xfrm>
+            <a:off x="683568" y="1484784"/>
+            <a:ext cx="7128792" cy="4488499"/>
+          </a:xfrm>
+          <a:prstGeom prst="rect">
+            <a:avLst/>
+          </a:prstGeom>
+        </p:spPr>
+      </p:pic>
     </p:spTree>
     <p:extLst>
       <p:ext uri="{BB962C8B-B14F-4D97-AF65-F5344CB8AC3E}">
         <p14:creationId xmlns:p14="http://schemas.microsoft.com/office/powerpoint/2010/main" val="3044462180"/>
+      </p:ext>
+    </p:extLst>
+  </p:cSld>
+  <p:clrMapOvr>
+    <a:masterClrMapping/>
+  </p:clrMapOvr>
+</p:sld>
+</file>
+
+<file path=ppt/slides/slide15.xml><?xml version="1.0" encoding="utf-8"?>
+<p:sld xmlns:a="http://schemas.openxmlformats.org/drawingml/2006/main" xmlns:r="http://schemas.openxmlformats.org/officeDocument/2006/relationships" xmlns:p="http://schemas.openxmlformats.org/presentationml/2006/main">
+  <p:cSld>
+    <p:spTree>
+      <p:nvGrpSpPr>
+        <p:cNvPr id="1" name=""/>
+        <p:cNvGrpSpPr/>
+        <p:nvPr/>
+      </p:nvGrpSpPr>
+      <p:grpSpPr>
+        <a:xfrm>
+          <a:off x="0" y="0"/>
+          <a:ext cx="0" cy="0"/>
+          <a:chOff x="0" y="0"/>
+          <a:chExt cx="0" cy="0"/>
+        </a:xfrm>
+      </p:grpSpPr>
+      <p:sp>
+        <p:nvSpPr>
+          <p:cNvPr id="2" name="Title 1"/>
+          <p:cNvSpPr>
+            <a:spLocks noGrp="1"/>
+          </p:cNvSpPr>
+          <p:nvPr>
+            <p:ph type="title"/>
+          </p:nvPr>
+        </p:nvSpPr>
+        <p:spPr/>
+        <p:txBody>
+          <a:bodyPr/>
+          <a:lstStyle/>
+          <a:p>
+            <a:endParaRPr lang="he-IL"/>
+          </a:p>
+        </p:txBody>
+      </p:sp>
+      <p:sp>
+        <p:nvSpPr>
+          <p:cNvPr id="3" name="Content Placeholder 2"/>
+          <p:cNvSpPr>
+            <a:spLocks noGrp="1"/>
+          </p:cNvSpPr>
+          <p:nvPr>
+            <p:ph idx="1"/>
+          </p:nvPr>
+        </p:nvSpPr>
+        <p:spPr/>
+        <p:txBody>
+          <a:bodyPr/>
+          <a:lstStyle/>
+          <a:p>
+            <a:endParaRPr lang="he-IL"/>
+          </a:p>
+        </p:txBody>
+      </p:sp>
+      <p:sp>
+        <p:nvSpPr>
+          <p:cNvPr id="4" name="Slide Number Placeholder 3"/>
+          <p:cNvSpPr>
+            <a:spLocks noGrp="1"/>
+          </p:cNvSpPr>
+          <p:nvPr>
+            <p:ph type="sldNum" sz="quarter" idx="12"/>
+          </p:nvPr>
+        </p:nvSpPr>
+        <p:spPr/>
+        <p:txBody>
+          <a:bodyPr/>
+          <a:lstStyle/>
+          <a:p>
+            <a:fld id="{1AD93096-5B34-4342-9326-69289CEAE4C2}" type="slidenum">
+              <a:rPr lang="en-US" smtClean="0"/>
+              <a:pPr/>
+              <a:t>15</a:t>
+            </a:fld>
+            <a:endParaRPr lang="en-US" dirty="0">
+              <a:solidFill>
+                <a:srgbClr val="FFFFFF"/>
+              </a:solidFill>
+            </a:endParaRPr>
+          </a:p>
+        </p:txBody>
+      </p:sp>
+    </p:spTree>
+    <p:extLst>
+      <p:ext uri="{BB962C8B-B14F-4D97-AF65-F5344CB8AC3E}">
+        <p14:creationId xmlns:p14="http://schemas.microsoft.com/office/powerpoint/2010/main" val="1769889674"/>
       </p:ext>
     </p:extLst>
   </p:cSld>
